--- a/doc/Dissertation.pptx
+++ b/doc/Dissertation.pptx
@@ -356,7 +356,7 @@
           <a:p>
             <a:fld id="{514880F6-A98D-462A-A3E6-0F7AFA35BA19}" type="datetimeFigureOut">
               <a:rPr lang="en-GB" smtClean="0"/>
-              <a:t>01/07/2021</a:t>
+              <a:t>02/07/2021</a:t>
             </a:fld>
             <a:endParaRPr lang="en-GB"/>
           </a:p>
@@ -526,7 +526,7 @@
           <a:p>
             <a:fld id="{514880F6-A98D-462A-A3E6-0F7AFA35BA19}" type="datetimeFigureOut">
               <a:rPr lang="en-GB" smtClean="0"/>
-              <a:t>01/07/2021</a:t>
+              <a:t>02/07/2021</a:t>
             </a:fld>
             <a:endParaRPr lang="en-GB"/>
           </a:p>
@@ -706,7 +706,7 @@
           <a:p>
             <a:fld id="{514880F6-A98D-462A-A3E6-0F7AFA35BA19}" type="datetimeFigureOut">
               <a:rPr lang="en-GB" smtClean="0"/>
-              <a:t>01/07/2021</a:t>
+              <a:t>02/07/2021</a:t>
             </a:fld>
             <a:endParaRPr lang="en-GB"/>
           </a:p>
@@ -876,7 +876,7 @@
           <a:p>
             <a:fld id="{514880F6-A98D-462A-A3E6-0F7AFA35BA19}" type="datetimeFigureOut">
               <a:rPr lang="en-GB" smtClean="0"/>
-              <a:t>01/07/2021</a:t>
+              <a:t>02/07/2021</a:t>
             </a:fld>
             <a:endParaRPr lang="en-GB"/>
           </a:p>
@@ -1134,7 +1134,7 @@
           <a:p>
             <a:fld id="{514880F6-A98D-462A-A3E6-0F7AFA35BA19}" type="datetimeFigureOut">
               <a:rPr lang="en-GB" smtClean="0"/>
-              <a:t>01/07/2021</a:t>
+              <a:t>02/07/2021</a:t>
             </a:fld>
             <a:endParaRPr lang="en-GB"/>
           </a:p>
@@ -1422,7 +1422,7 @@
           <a:p>
             <a:fld id="{514880F6-A98D-462A-A3E6-0F7AFA35BA19}" type="datetimeFigureOut">
               <a:rPr lang="en-GB" smtClean="0"/>
-              <a:t>01/07/2021</a:t>
+              <a:t>02/07/2021</a:t>
             </a:fld>
             <a:endParaRPr lang="en-GB"/>
           </a:p>
@@ -1864,7 +1864,7 @@
           <a:p>
             <a:fld id="{514880F6-A98D-462A-A3E6-0F7AFA35BA19}" type="datetimeFigureOut">
               <a:rPr lang="en-GB" smtClean="0"/>
-              <a:t>01/07/2021</a:t>
+              <a:t>02/07/2021</a:t>
             </a:fld>
             <a:endParaRPr lang="en-GB"/>
           </a:p>
@@ -1982,7 +1982,7 @@
           <a:p>
             <a:fld id="{514880F6-A98D-462A-A3E6-0F7AFA35BA19}" type="datetimeFigureOut">
               <a:rPr lang="en-GB" smtClean="0"/>
-              <a:t>01/07/2021</a:t>
+              <a:t>02/07/2021</a:t>
             </a:fld>
             <a:endParaRPr lang="en-GB"/>
           </a:p>
@@ -2077,7 +2077,7 @@
           <a:p>
             <a:fld id="{514880F6-A98D-462A-A3E6-0F7AFA35BA19}" type="datetimeFigureOut">
               <a:rPr lang="en-GB" smtClean="0"/>
-              <a:t>01/07/2021</a:t>
+              <a:t>02/07/2021</a:t>
             </a:fld>
             <a:endParaRPr lang="en-GB"/>
           </a:p>
@@ -2365,7 +2365,7 @@
           <a:p>
             <a:fld id="{514880F6-A98D-462A-A3E6-0F7AFA35BA19}" type="datetimeFigureOut">
               <a:rPr lang="en-GB" smtClean="0"/>
-              <a:t>01/07/2021</a:t>
+              <a:t>02/07/2021</a:t>
             </a:fld>
             <a:endParaRPr lang="en-GB"/>
           </a:p>
@@ -2638,7 +2638,7 @@
           <a:p>
             <a:fld id="{514880F6-A98D-462A-A3E6-0F7AFA35BA19}" type="datetimeFigureOut">
               <a:rPr lang="en-GB" smtClean="0"/>
-              <a:t>01/07/2021</a:t>
+              <a:t>02/07/2021</a:t>
             </a:fld>
             <a:endParaRPr lang="en-GB"/>
           </a:p>
@@ -2935,7 +2935,7 @@
           <a:p>
             <a:fld id="{514880F6-A98D-462A-A3E6-0F7AFA35BA19}" type="datetimeFigureOut">
               <a:rPr lang="en-GB" smtClean="0"/>
-              <a:t>01/07/2021</a:t>
+              <a:t>02/07/2021</a:t>
             </a:fld>
             <a:endParaRPr lang="en-GB"/>
           </a:p>
@@ -7740,7 +7740,7 @@
           <a:p>
             <a:r>
               <a:rPr lang="en-GB" dirty="0"/>
-              <a:t>Achieved occupancy is close to theoretical possible – 95%</a:t>
+              <a:t>Achieved occupancy is close to theoretical maximum – 95%</a:t>
             </a:r>
           </a:p>
           <a:p>
